--- a/BCB520/posts/L3-TaskAbstraction/handout.pptx
+++ b/BCB520/posts/L3-TaskAbstraction/handout.pptx
@@ -6,6 +6,7 @@
   </p:sldMasterIdLst>
   <p:sldIdLst>
     <p:sldId id="256" r:id="rId2"/>
+    <p:sldId id="257" r:id="rId3"/>
   </p:sldIdLst>
   <p:sldSz cx="9144000" cy="6858000" type="letter"/>
   <p:notesSz cx="6858000" cy="9144000"/>
@@ -254,7 +255,7 @@
           <a:p>
             <a:fld id="{20319E6D-F33D-8948-BC3F-C8ACE8DDDD43}" type="datetimeFigureOut">
               <a:rPr lang="en-US" smtClean="0"/>
-              <a:t>1/31/23</a:t>
+              <a:t>2/7/23</a:t>
             </a:fld>
             <a:endParaRPr lang="en-US"/>
           </a:p>
@@ -424,7 +425,7 @@
           <a:p>
             <a:fld id="{20319E6D-F33D-8948-BC3F-C8ACE8DDDD43}" type="datetimeFigureOut">
               <a:rPr lang="en-US" smtClean="0"/>
-              <a:t>1/31/23</a:t>
+              <a:t>2/7/23</a:t>
             </a:fld>
             <a:endParaRPr lang="en-US"/>
           </a:p>
@@ -604,7 +605,7 @@
           <a:p>
             <a:fld id="{20319E6D-F33D-8948-BC3F-C8ACE8DDDD43}" type="datetimeFigureOut">
               <a:rPr lang="en-US" smtClean="0"/>
-              <a:t>1/31/23</a:t>
+              <a:t>2/7/23</a:t>
             </a:fld>
             <a:endParaRPr lang="en-US"/>
           </a:p>
@@ -774,7 +775,7 @@
           <a:p>
             <a:fld id="{20319E6D-F33D-8948-BC3F-C8ACE8DDDD43}" type="datetimeFigureOut">
               <a:rPr lang="en-US" smtClean="0"/>
-              <a:t>1/31/23</a:t>
+              <a:t>2/7/23</a:t>
             </a:fld>
             <a:endParaRPr lang="en-US"/>
           </a:p>
@@ -1018,7 +1019,7 @@
           <a:p>
             <a:fld id="{20319E6D-F33D-8948-BC3F-C8ACE8DDDD43}" type="datetimeFigureOut">
               <a:rPr lang="en-US" smtClean="0"/>
-              <a:t>1/31/23</a:t>
+              <a:t>2/7/23</a:t>
             </a:fld>
             <a:endParaRPr lang="en-US"/>
           </a:p>
@@ -1250,7 +1251,7 @@
           <a:p>
             <a:fld id="{20319E6D-F33D-8948-BC3F-C8ACE8DDDD43}" type="datetimeFigureOut">
               <a:rPr lang="en-US" smtClean="0"/>
-              <a:t>1/31/23</a:t>
+              <a:t>2/7/23</a:t>
             </a:fld>
             <a:endParaRPr lang="en-US"/>
           </a:p>
@@ -1617,7 +1618,7 @@
           <a:p>
             <a:fld id="{20319E6D-F33D-8948-BC3F-C8ACE8DDDD43}" type="datetimeFigureOut">
               <a:rPr lang="en-US" smtClean="0"/>
-              <a:t>1/31/23</a:t>
+              <a:t>2/7/23</a:t>
             </a:fld>
             <a:endParaRPr lang="en-US"/>
           </a:p>
@@ -1735,7 +1736,7 @@
           <a:p>
             <a:fld id="{20319E6D-F33D-8948-BC3F-C8ACE8DDDD43}" type="datetimeFigureOut">
               <a:rPr lang="en-US" smtClean="0"/>
-              <a:t>1/31/23</a:t>
+              <a:t>2/7/23</a:t>
             </a:fld>
             <a:endParaRPr lang="en-US"/>
           </a:p>
@@ -1830,7 +1831,7 @@
           <a:p>
             <a:fld id="{20319E6D-F33D-8948-BC3F-C8ACE8DDDD43}" type="datetimeFigureOut">
               <a:rPr lang="en-US" smtClean="0"/>
-              <a:t>1/31/23</a:t>
+              <a:t>2/7/23</a:t>
             </a:fld>
             <a:endParaRPr lang="en-US"/>
           </a:p>
@@ -2107,7 +2108,7 @@
           <a:p>
             <a:fld id="{20319E6D-F33D-8948-BC3F-C8ACE8DDDD43}" type="datetimeFigureOut">
               <a:rPr lang="en-US" smtClean="0"/>
-              <a:t>1/31/23</a:t>
+              <a:t>2/7/23</a:t>
             </a:fld>
             <a:endParaRPr lang="en-US"/>
           </a:p>
@@ -2364,7 +2365,7 @@
           <a:p>
             <a:fld id="{20319E6D-F33D-8948-BC3F-C8ACE8DDDD43}" type="datetimeFigureOut">
               <a:rPr lang="en-US" smtClean="0"/>
-              <a:t>1/31/23</a:t>
+              <a:t>2/7/23</a:t>
             </a:fld>
             <a:endParaRPr lang="en-US"/>
           </a:p>
@@ -2577,7 +2578,7 @@
           <a:p>
             <a:fld id="{20319E6D-F33D-8948-BC3F-C8ACE8DDDD43}" type="datetimeFigureOut">
               <a:rPr lang="en-US" smtClean="0"/>
-              <a:t>1/31/23</a:t>
+              <a:t>2/7/23</a:t>
             </a:fld>
             <a:endParaRPr lang="en-US"/>
           </a:p>
@@ -3028,6 +3029,1004 @@
 </p:sld>
 </file>
 
+<file path=ppt/slides/slide2.xml><?xml version="1.0" encoding="utf-8"?>
+<p:sld xmlns:a="http://schemas.openxmlformats.org/drawingml/2006/main" xmlns:r="http://schemas.openxmlformats.org/officeDocument/2006/relationships" xmlns:p="http://schemas.openxmlformats.org/presentationml/2006/main">
+  <p:cSld>
+    <p:spTree>
+      <p:nvGrpSpPr>
+        <p:cNvPr id="1" name=""/>
+        <p:cNvGrpSpPr/>
+        <p:nvPr/>
+      </p:nvGrpSpPr>
+      <p:grpSpPr>
+        <a:xfrm>
+          <a:off x="0" y="0"/>
+          <a:ext cx="0" cy="0"/>
+          <a:chOff x="0" y="0"/>
+          <a:chExt cx="0" cy="0"/>
+        </a:xfrm>
+      </p:grpSpPr>
+      <p:grpSp>
+        <p:nvGrpSpPr>
+          <p:cNvPr id="4" name="Group">
+            <a:extLst>
+              <a:ext uri="{FF2B5EF4-FFF2-40B4-BE49-F238E27FC236}">
+                <a16:creationId xmlns:a16="http://schemas.microsoft.com/office/drawing/2014/main" id="{F021A6EC-87BF-2EDE-463A-EA201B878E2D}"/>
+              </a:ext>
+            </a:extLst>
+          </p:cNvPr>
+          <p:cNvGrpSpPr/>
+          <p:nvPr/>
+        </p:nvGrpSpPr>
+        <p:grpSpPr>
+          <a:xfrm>
+            <a:off x="51371" y="287784"/>
+            <a:ext cx="8825501" cy="5363003"/>
+            <a:chOff x="0" y="215900"/>
+            <a:chExt cx="11144823" cy="6565900"/>
+          </a:xfrm>
+        </p:grpSpPr>
+        <p:sp>
+          <p:nvSpPr>
+            <p:cNvPr id="5" name="Rectangle">
+              <a:extLst>
+                <a:ext uri="{FF2B5EF4-FFF2-40B4-BE49-F238E27FC236}">
+                  <a16:creationId xmlns:a16="http://schemas.microsoft.com/office/drawing/2014/main" id="{3C6FEB1A-39EB-672E-4EC4-3EF6BB17FCF0}"/>
+                </a:ext>
+              </a:extLst>
+            </p:cNvPr>
+            <p:cNvSpPr/>
+            <p:nvPr/>
+          </p:nvSpPr>
+          <p:spPr>
+            <a:xfrm>
+              <a:off x="203200" y="215900"/>
+              <a:ext cx="10934700" cy="6565900"/>
+            </a:xfrm>
+            <a:prstGeom prst="rect">
+              <a:avLst/>
+            </a:prstGeom>
+            <a:solidFill>
+              <a:srgbClr val="FFFFFF"/>
+            </a:solidFill>
+            <a:ln w="12700" cap="flat">
+              <a:noFill/>
+              <a:miter lim="400000"/>
+            </a:ln>
+            <a:effectLst/>
+          </p:spPr>
+          <p:txBody>
+            <a:bodyPr wrap="square" lIns="28575" tIns="28575" rIns="28575" bIns="28575" numCol="1" anchor="t">
+              <a:noAutofit/>
+            </a:bodyPr>
+            <a:lstStyle/>
+            <a:p>
+              <a:pPr>
+                <a:buClr>
+                  <a:srgbClr val="000000"/>
+                </a:buClr>
+                <a:defRPr sz="3000">
+                  <a:uFill>
+                    <a:solidFill>
+                      <a:srgbClr val="000000"/>
+                    </a:solidFill>
+                  </a:uFill>
+                  <a:latin typeface="Arial"/>
+                  <a:ea typeface="Arial"/>
+                  <a:cs typeface="Arial"/>
+                  <a:sym typeface="Arial"/>
+                </a:defRPr>
+              </a:pPr>
+              <a:endParaRPr sz="2250"/>
+            </a:p>
+          </p:txBody>
+        </p:sp>
+        <p:grpSp>
+          <p:nvGrpSpPr>
+            <p:cNvPr id="6" name="Group">
+              <a:extLst>
+                <a:ext uri="{FF2B5EF4-FFF2-40B4-BE49-F238E27FC236}">
+                  <a16:creationId xmlns:a16="http://schemas.microsoft.com/office/drawing/2014/main" id="{A68977FB-F520-F75C-616C-19FCD4CA6DF2}"/>
+                </a:ext>
+              </a:extLst>
+            </p:cNvPr>
+            <p:cNvGrpSpPr/>
+            <p:nvPr/>
+          </p:nvGrpSpPr>
+          <p:grpSpPr>
+            <a:xfrm>
+              <a:off x="-1" y="218904"/>
+              <a:ext cx="11144825" cy="6231169"/>
+              <a:chOff x="0" y="218904"/>
+              <a:chExt cx="11144823" cy="6231168"/>
+            </a:xfrm>
+          </p:grpSpPr>
+          <p:sp>
+            <p:nvSpPr>
+              <p:cNvPr id="7" name="Line">
+                <a:extLst>
+                  <a:ext uri="{FF2B5EF4-FFF2-40B4-BE49-F238E27FC236}">
+                    <a16:creationId xmlns:a16="http://schemas.microsoft.com/office/drawing/2014/main" id="{6052BF77-9D9B-42A6-D2D9-24CD8551E118}"/>
+                  </a:ext>
+                </a:extLst>
+              </p:cNvPr>
+              <p:cNvSpPr/>
+              <p:nvPr/>
+            </p:nvSpPr>
+            <p:spPr>
+              <a:xfrm>
+                <a:off x="3134582" y="1073874"/>
+                <a:ext cx="2501966" cy="7341"/>
+              </a:xfrm>
+              <a:prstGeom prst="line">
+                <a:avLst/>
+              </a:prstGeom>
+              <a:noFill/>
+              <a:ln w="22225" cap="flat">
+                <a:solidFill>
+                  <a:srgbClr val="12977B"/>
+                </a:solidFill>
+                <a:prstDash val="solid"/>
+                <a:miter lim="400000"/>
+              </a:ln>
+              <a:effectLst/>
+            </p:spPr>
+            <p:txBody>
+              <a:bodyPr wrap="square" lIns="38100" tIns="38100" rIns="38100" bIns="38100" numCol="1" anchor="ctr">
+                <a:noAutofit/>
+              </a:bodyPr>
+              <a:lstStyle/>
+              <a:p>
+                <a:pPr defTabSz="342900">
+                  <a:defRPr sz="1200">
+                    <a:latin typeface="Helvetica"/>
+                    <a:ea typeface="Helvetica"/>
+                    <a:cs typeface="Helvetica"/>
+                    <a:sym typeface="Helvetica"/>
+                  </a:defRPr>
+                </a:pPr>
+                <a:endParaRPr sz="900"/>
+              </a:p>
+            </p:txBody>
+          </p:sp>
+          <p:pic>
+            <p:nvPicPr>
+              <p:cNvPr id="8" name="Image" descr="Image">
+                <a:extLst>
+                  <a:ext uri="{FF2B5EF4-FFF2-40B4-BE49-F238E27FC236}">
+                    <a16:creationId xmlns:a16="http://schemas.microsoft.com/office/drawing/2014/main" id="{B53899E4-315E-FBC8-6FB9-42284DB8AE58}"/>
+                  </a:ext>
+                </a:extLst>
+              </p:cNvPr>
+              <p:cNvPicPr>
+                <a:picLocks noChangeAspect="1"/>
+              </p:cNvPicPr>
+              <p:nvPr/>
+            </p:nvPicPr>
+            <p:blipFill>
+              <a:blip r:embed="rId2"/>
+              <a:stretch>
+                <a:fillRect/>
+              </a:stretch>
+            </p:blipFill>
+            <p:spPr>
+              <a:xfrm>
+                <a:off x="425153" y="5132523"/>
+                <a:ext cx="1103894" cy="1091691"/>
+              </a:xfrm>
+              <a:prstGeom prst="rect">
+                <a:avLst/>
+              </a:prstGeom>
+              <a:ln w="12700" cap="flat">
+                <a:noFill/>
+                <a:miter lim="400000"/>
+              </a:ln>
+              <a:effectLst/>
+            </p:spPr>
+          </p:pic>
+          <p:pic>
+            <p:nvPicPr>
+              <p:cNvPr id="9" name="fig3.7.pdf" descr="fig3.7.pdf">
+                <a:extLst>
+                  <a:ext uri="{FF2B5EF4-FFF2-40B4-BE49-F238E27FC236}">
+                    <a16:creationId xmlns:a16="http://schemas.microsoft.com/office/drawing/2014/main" id="{64FC91FF-0B06-69C3-B120-F76AE6312CA4}"/>
+                  </a:ext>
+                </a:extLst>
+              </p:cNvPr>
+              <p:cNvPicPr>
+                <a:picLocks noChangeAspect="1"/>
+              </p:cNvPicPr>
+              <p:nvPr/>
+            </p:nvPicPr>
+            <p:blipFill>
+              <a:blip r:embed="rId3"/>
+              <a:srcRect t="4527" r="63679" b="51620"/>
+              <a:stretch>
+                <a:fillRect/>
+              </a:stretch>
+            </p:blipFill>
+            <p:spPr>
+              <a:xfrm>
+                <a:off x="190504" y="773280"/>
+                <a:ext cx="2939009" cy="3277383"/>
+              </a:xfrm>
+              <a:prstGeom prst="rect">
+                <a:avLst/>
+              </a:prstGeom>
+              <a:ln w="12700" cap="flat">
+                <a:noFill/>
+                <a:miter lim="400000"/>
+              </a:ln>
+              <a:effectLst/>
+            </p:spPr>
+          </p:pic>
+          <p:pic>
+            <p:nvPicPr>
+              <p:cNvPr id="10" name="fig3.7.pdf" descr="fig3.7.pdf">
+                <a:extLst>
+                  <a:ext uri="{FF2B5EF4-FFF2-40B4-BE49-F238E27FC236}">
+                    <a16:creationId xmlns:a16="http://schemas.microsoft.com/office/drawing/2014/main" id="{9E758319-3DF6-7D9A-3B46-15665A725AD2}"/>
+                  </a:ext>
+                </a:extLst>
+              </p:cNvPr>
+              <p:cNvPicPr>
+                <a:picLocks noChangeAspect="1"/>
+              </p:cNvPicPr>
+              <p:nvPr/>
+            </p:nvPicPr>
+            <p:blipFill>
+              <a:blip r:embed="rId3"/>
+              <a:srcRect l="39306" t="4268" b="35191"/>
+              <a:stretch>
+                <a:fillRect/>
+              </a:stretch>
+            </p:blipFill>
+            <p:spPr>
+              <a:xfrm>
+                <a:off x="6313610" y="773280"/>
+                <a:ext cx="4820646" cy="4441057"/>
+              </a:xfrm>
+              <a:prstGeom prst="rect">
+                <a:avLst/>
+              </a:prstGeom>
+              <a:ln w="12700" cap="flat">
+                <a:noFill/>
+                <a:miter lim="400000"/>
+              </a:ln>
+              <a:effectLst/>
+            </p:spPr>
+          </p:pic>
+          <p:pic>
+            <p:nvPicPr>
+              <p:cNvPr id="11" name="fig3.7.pdf" descr="fig3.7.pdf">
+                <a:extLst>
+                  <a:ext uri="{FF2B5EF4-FFF2-40B4-BE49-F238E27FC236}">
+                    <a16:creationId xmlns:a16="http://schemas.microsoft.com/office/drawing/2014/main" id="{689035C9-8F69-F10C-5A69-AD722A2C97CB}"/>
+                  </a:ext>
+                </a:extLst>
+              </p:cNvPr>
+              <p:cNvPicPr>
+                <a:picLocks noChangeAspect="1"/>
+              </p:cNvPicPr>
+              <p:nvPr/>
+            </p:nvPicPr>
+            <p:blipFill>
+              <a:blip r:embed="rId3"/>
+              <a:srcRect b="95107"/>
+              <a:stretch>
+                <a:fillRect/>
+              </a:stretch>
+            </p:blipFill>
+            <p:spPr>
+              <a:xfrm>
+                <a:off x="209493" y="218904"/>
+                <a:ext cx="10935331" cy="494153"/>
+              </a:xfrm>
+              <a:prstGeom prst="rect">
+                <a:avLst/>
+              </a:prstGeom>
+              <a:ln w="12700" cap="flat">
+                <a:noFill/>
+                <a:miter lim="400000"/>
+              </a:ln>
+              <a:effectLst/>
+            </p:spPr>
+          </p:pic>
+          <p:grpSp>
+            <p:nvGrpSpPr>
+              <p:cNvPr id="12" name="Group">
+                <a:extLst>
+                  <a:ext uri="{FF2B5EF4-FFF2-40B4-BE49-F238E27FC236}">
+                    <a16:creationId xmlns:a16="http://schemas.microsoft.com/office/drawing/2014/main" id="{66A7E16F-21FA-5CB4-1D9E-7296E6A35907}"/>
+                  </a:ext>
+                </a:extLst>
+              </p:cNvPr>
+              <p:cNvGrpSpPr/>
+              <p:nvPr/>
+            </p:nvGrpSpPr>
+            <p:grpSpPr>
+              <a:xfrm>
+                <a:off x="0" y="4430444"/>
+                <a:ext cx="2460954" cy="2019629"/>
+                <a:chOff x="0" y="0"/>
+                <a:chExt cx="2460953" cy="2019628"/>
+              </a:xfrm>
+            </p:grpSpPr>
+            <p:sp>
+              <p:nvSpPr>
+                <p:cNvPr id="14" name="Rectangle">
+                  <a:extLst>
+                    <a:ext uri="{FF2B5EF4-FFF2-40B4-BE49-F238E27FC236}">
+                      <a16:creationId xmlns:a16="http://schemas.microsoft.com/office/drawing/2014/main" id="{E8E74F22-57EF-ECEB-D0AA-B0EF3397F434}"/>
+                    </a:ext>
+                  </a:extLst>
+                </p:cNvPr>
+                <p:cNvSpPr/>
+                <p:nvPr/>
+              </p:nvSpPr>
+              <p:spPr>
+                <a:xfrm>
+                  <a:off x="0" y="0"/>
+                  <a:ext cx="2460954" cy="2019629"/>
+                </a:xfrm>
+                <a:prstGeom prst="rect">
+                  <a:avLst/>
+                </a:prstGeom>
+                <a:solidFill>
+                  <a:srgbClr val="FFFFFF"/>
+                </a:solidFill>
+                <a:ln w="12700" cap="flat">
+                  <a:noFill/>
+                  <a:miter lim="400000"/>
+                </a:ln>
+                <a:effectLst/>
+              </p:spPr>
+              <p:txBody>
+                <a:bodyPr wrap="square" lIns="28575" tIns="28575" rIns="28575" bIns="28575" numCol="1" anchor="t">
+                  <a:noAutofit/>
+                </a:bodyPr>
+                <a:lstStyle/>
+                <a:p>
+                  <a:pPr>
+                    <a:defRPr sz="3000">
+                      <a:uFill>
+                        <a:solidFill>
+                          <a:srgbClr val="000000"/>
+                        </a:solidFill>
+                      </a:uFill>
+                      <a:latin typeface="Arial"/>
+                      <a:ea typeface="Arial"/>
+                      <a:cs typeface="Arial"/>
+                      <a:sym typeface="Arial"/>
+                    </a:defRPr>
+                  </a:pPr>
+                  <a:endParaRPr sz="2250"/>
+                </a:p>
+              </p:txBody>
+            </p:sp>
+            <p:pic>
+              <p:nvPicPr>
+                <p:cNvPr id="15" name="Image" descr="Image">
+                  <a:extLst>
+                    <a:ext uri="{FF2B5EF4-FFF2-40B4-BE49-F238E27FC236}">
+                      <a16:creationId xmlns:a16="http://schemas.microsoft.com/office/drawing/2014/main" id="{04B22079-A7B6-6EA7-7CF3-F7790D4FEAAA}"/>
+                    </a:ext>
+                  </a:extLst>
+                </p:cNvPr>
+                <p:cNvPicPr>
+                  <a:picLocks noChangeAspect="1"/>
+                </p:cNvPicPr>
+                <p:nvPr/>
+              </p:nvPicPr>
+              <p:blipFill>
+                <a:blip r:embed="rId2"/>
+                <a:stretch>
+                  <a:fillRect/>
+                </a:stretch>
+              </p:blipFill>
+              <p:spPr>
+                <a:xfrm>
+                  <a:off x="222409" y="68617"/>
+                  <a:ext cx="1948818" cy="1927276"/>
+                </a:xfrm>
+                <a:prstGeom prst="rect">
+                  <a:avLst/>
+                </a:prstGeom>
+                <a:ln w="12700" cap="flat">
+                  <a:noFill/>
+                  <a:miter lim="400000"/>
+                </a:ln>
+                <a:effectLst/>
+              </p:spPr>
+            </p:pic>
+          </p:grpSp>
+          <p:pic>
+            <p:nvPicPr>
+              <p:cNvPr id="13" name="fig3.7.pdf" descr="fig3.7.pdf">
+                <a:extLst>
+                  <a:ext uri="{FF2B5EF4-FFF2-40B4-BE49-F238E27FC236}">
+                    <a16:creationId xmlns:a16="http://schemas.microsoft.com/office/drawing/2014/main" id="{3913EFF7-9B82-4920-077A-D89601EA803D}"/>
+                  </a:ext>
+                </a:extLst>
+              </p:cNvPr>
+              <p:cNvPicPr>
+                <a:picLocks noChangeAspect="1"/>
+              </p:cNvPicPr>
+              <p:nvPr/>
+            </p:nvPicPr>
+            <p:blipFill>
+              <a:blip r:embed="rId4"/>
+              <a:srcRect t="46171" r="59430"/>
+              <a:stretch>
+                <a:fillRect/>
+              </a:stretch>
+            </p:blipFill>
+            <p:spPr>
+              <a:xfrm>
+                <a:off x="2966928" y="936742"/>
+                <a:ext cx="3474047" cy="4225285"/>
+              </a:xfrm>
+              <a:prstGeom prst="rect">
+                <a:avLst/>
+              </a:prstGeom>
+              <a:ln w="12700" cap="flat">
+                <a:noFill/>
+                <a:miter lim="400000"/>
+              </a:ln>
+              <a:effectLst/>
+            </p:spPr>
+          </p:pic>
+        </p:grpSp>
+      </p:grpSp>
+      <p:grpSp>
+        <p:nvGrpSpPr>
+          <p:cNvPr id="16" name="Group">
+            <a:extLst>
+              <a:ext uri="{FF2B5EF4-FFF2-40B4-BE49-F238E27FC236}">
+                <a16:creationId xmlns:a16="http://schemas.microsoft.com/office/drawing/2014/main" id="{9106B4DC-F71F-DDAF-A26C-95695DD0921E}"/>
+              </a:ext>
+            </a:extLst>
+          </p:cNvPr>
+          <p:cNvGrpSpPr/>
+          <p:nvPr/>
+        </p:nvGrpSpPr>
+        <p:grpSpPr>
+          <a:xfrm>
+            <a:off x="6212779" y="4113011"/>
+            <a:ext cx="2543175" cy="2533650"/>
+            <a:chOff x="0" y="0"/>
+            <a:chExt cx="3390900" cy="3378200"/>
+          </a:xfrm>
+        </p:grpSpPr>
+        <p:sp>
+          <p:nvSpPr>
+            <p:cNvPr id="17" name="Rectangle">
+              <a:extLst>
+                <a:ext uri="{FF2B5EF4-FFF2-40B4-BE49-F238E27FC236}">
+                  <a16:creationId xmlns:a16="http://schemas.microsoft.com/office/drawing/2014/main" id="{5505D27E-936B-8EB7-4AC0-19417932E0F0}"/>
+                </a:ext>
+              </a:extLst>
+            </p:cNvPr>
+            <p:cNvSpPr/>
+            <p:nvPr/>
+          </p:nvSpPr>
+          <p:spPr>
+            <a:xfrm>
+              <a:off x="0" y="0"/>
+              <a:ext cx="3390900" cy="3378200"/>
+            </a:xfrm>
+            <a:prstGeom prst="rect">
+              <a:avLst/>
+            </a:prstGeom>
+            <a:solidFill>
+              <a:srgbClr val="FCCFA1"/>
+            </a:solidFill>
+            <a:ln w="25400" cap="flat">
+              <a:solidFill>
+                <a:srgbClr val="000000"/>
+              </a:solidFill>
+              <a:prstDash val="solid"/>
+              <a:miter lim="400000"/>
+            </a:ln>
+            <a:effectLst/>
+          </p:spPr>
+          <p:txBody>
+            <a:bodyPr wrap="square" lIns="28575" tIns="28575" rIns="28575" bIns="28575" numCol="1" anchor="t">
+              <a:noAutofit/>
+            </a:bodyPr>
+            <a:lstStyle/>
+            <a:p>
+              <a:pPr>
+                <a:buClr>
+                  <a:srgbClr val="000000"/>
+                </a:buClr>
+                <a:defRPr sz="3000">
+                  <a:uFill>
+                    <a:solidFill>
+                      <a:srgbClr val="000000"/>
+                    </a:solidFill>
+                  </a:uFill>
+                  <a:latin typeface="Arial"/>
+                  <a:ea typeface="Arial"/>
+                  <a:cs typeface="Arial"/>
+                  <a:sym typeface="Arial"/>
+                </a:defRPr>
+              </a:pPr>
+              <a:endParaRPr sz="2250"/>
+            </a:p>
+          </p:txBody>
+        </p:sp>
+        <p:sp>
+          <p:nvSpPr>
+            <p:cNvPr id="18" name="Rectangle">
+              <a:extLst>
+                <a:ext uri="{FF2B5EF4-FFF2-40B4-BE49-F238E27FC236}">
+                  <a16:creationId xmlns:a16="http://schemas.microsoft.com/office/drawing/2014/main" id="{3537E356-6310-4942-C188-C0FAC6088A37}"/>
+                </a:ext>
+              </a:extLst>
+            </p:cNvPr>
+            <p:cNvSpPr/>
+            <p:nvPr/>
+          </p:nvSpPr>
+          <p:spPr>
+            <a:xfrm>
+              <a:off x="141382" y="482600"/>
+              <a:ext cx="3098801" cy="2730500"/>
+            </a:xfrm>
+            <a:prstGeom prst="rect">
+              <a:avLst/>
+            </a:prstGeom>
+            <a:solidFill>
+              <a:srgbClr val="EFE5B1"/>
+            </a:solidFill>
+            <a:ln w="25400" cap="flat">
+              <a:solidFill>
+                <a:srgbClr val="000000"/>
+              </a:solidFill>
+              <a:prstDash val="solid"/>
+              <a:miter lim="400000"/>
+            </a:ln>
+            <a:effectLst/>
+          </p:spPr>
+          <p:txBody>
+            <a:bodyPr wrap="square" lIns="28575" tIns="28575" rIns="28575" bIns="28575" numCol="1" anchor="t">
+              <a:noAutofit/>
+            </a:bodyPr>
+            <a:lstStyle/>
+            <a:p>
+              <a:pPr>
+                <a:buClr>
+                  <a:srgbClr val="000000"/>
+                </a:buClr>
+                <a:defRPr sz="3000">
+                  <a:uFill>
+                    <a:solidFill>
+                      <a:srgbClr val="000000"/>
+                    </a:solidFill>
+                  </a:uFill>
+                  <a:latin typeface="Arial"/>
+                  <a:ea typeface="Arial"/>
+                  <a:cs typeface="Arial"/>
+                  <a:sym typeface="Arial"/>
+                </a:defRPr>
+              </a:pPr>
+              <a:endParaRPr sz="2250"/>
+            </a:p>
+          </p:txBody>
+        </p:sp>
+        <p:sp>
+          <p:nvSpPr>
+            <p:cNvPr id="19" name="Rectangle">
+              <a:extLst>
+                <a:ext uri="{FF2B5EF4-FFF2-40B4-BE49-F238E27FC236}">
+                  <a16:creationId xmlns:a16="http://schemas.microsoft.com/office/drawing/2014/main" id="{1ACB3152-5AA7-E453-3BBD-0B5977FCA327}"/>
+                </a:ext>
+              </a:extLst>
+            </p:cNvPr>
+            <p:cNvSpPr/>
+            <p:nvPr/>
+          </p:nvSpPr>
+          <p:spPr>
+            <a:xfrm>
+              <a:off x="295296" y="1778000"/>
+              <a:ext cx="2705101" cy="1193800"/>
+            </a:xfrm>
+            <a:prstGeom prst="rect">
+              <a:avLst/>
+            </a:prstGeom>
+            <a:solidFill>
+              <a:srgbClr val="B6E0C5"/>
+            </a:solidFill>
+            <a:ln w="25400" cap="flat">
+              <a:solidFill>
+                <a:srgbClr val="000000"/>
+              </a:solidFill>
+              <a:prstDash val="solid"/>
+              <a:miter lim="400000"/>
+            </a:ln>
+            <a:effectLst/>
+          </p:spPr>
+          <p:txBody>
+            <a:bodyPr wrap="square" lIns="28575" tIns="28575" rIns="28575" bIns="28575" numCol="1" anchor="t">
+              <a:noAutofit/>
+            </a:bodyPr>
+            <a:lstStyle/>
+            <a:p>
+              <a:pPr>
+                <a:buClr>
+                  <a:srgbClr val="000000"/>
+                </a:buClr>
+                <a:defRPr sz="3000">
+                  <a:uFill>
+                    <a:solidFill>
+                      <a:srgbClr val="000000"/>
+                    </a:solidFill>
+                  </a:uFill>
+                  <a:latin typeface="Arial"/>
+                  <a:ea typeface="Arial"/>
+                  <a:cs typeface="Arial"/>
+                  <a:sym typeface="Arial"/>
+                </a:defRPr>
+              </a:pPr>
+              <a:endParaRPr sz="2250"/>
+            </a:p>
+          </p:txBody>
+        </p:sp>
+        <p:sp>
+          <p:nvSpPr>
+            <p:cNvPr id="20" name="Rectangle">
+              <a:extLst>
+                <a:ext uri="{FF2B5EF4-FFF2-40B4-BE49-F238E27FC236}">
+                  <a16:creationId xmlns:a16="http://schemas.microsoft.com/office/drawing/2014/main" id="{09D60084-774C-D1B4-BAD7-672C9FD33EF1}"/>
+                </a:ext>
+              </a:extLst>
+            </p:cNvPr>
+            <p:cNvSpPr/>
+            <p:nvPr/>
+          </p:nvSpPr>
+          <p:spPr>
+            <a:xfrm>
+              <a:off x="428099" y="2362200"/>
+              <a:ext cx="1265712" cy="495300"/>
+            </a:xfrm>
+            <a:prstGeom prst="rect">
+              <a:avLst/>
+            </a:prstGeom>
+            <a:solidFill>
+              <a:srgbClr val="DBB0CB"/>
+            </a:solidFill>
+            <a:ln w="25400" cap="flat">
+              <a:solidFill>
+                <a:srgbClr val="000000"/>
+              </a:solidFill>
+              <a:prstDash val="solid"/>
+              <a:miter lim="400000"/>
+            </a:ln>
+            <a:effectLst/>
+          </p:spPr>
+          <p:txBody>
+            <a:bodyPr wrap="square" lIns="28575" tIns="28575" rIns="28575" bIns="28575" numCol="1" anchor="t">
+              <a:noAutofit/>
+            </a:bodyPr>
+            <a:lstStyle/>
+            <a:p>
+              <a:pPr>
+                <a:buClr>
+                  <a:srgbClr val="000000"/>
+                </a:buClr>
+                <a:defRPr sz="3000">
+                  <a:uFill>
+                    <a:solidFill>
+                      <a:srgbClr val="000000"/>
+                    </a:solidFill>
+                  </a:uFill>
+                  <a:latin typeface="Arial"/>
+                  <a:ea typeface="Arial"/>
+                  <a:cs typeface="Arial"/>
+                  <a:sym typeface="Arial"/>
+                </a:defRPr>
+              </a:pPr>
+              <a:endParaRPr sz="2250"/>
+            </a:p>
+          </p:txBody>
+        </p:sp>
+        <p:sp>
+          <p:nvSpPr>
+            <p:cNvPr id="21" name="algorithm">
+              <a:extLst>
+                <a:ext uri="{FF2B5EF4-FFF2-40B4-BE49-F238E27FC236}">
+                  <a16:creationId xmlns:a16="http://schemas.microsoft.com/office/drawing/2014/main" id="{129E89F6-DCC3-4F9F-BC66-A164E72A9CCC}"/>
+                </a:ext>
+              </a:extLst>
+            </p:cNvPr>
+            <p:cNvSpPr txBox="1"/>
+            <p:nvPr/>
+          </p:nvSpPr>
+          <p:spPr>
+            <a:xfrm>
+              <a:off x="440630" y="2400300"/>
+              <a:ext cx="1290775" cy="393700"/>
+            </a:xfrm>
+            <a:prstGeom prst="rect">
+              <a:avLst/>
+            </a:prstGeom>
+            <a:noFill/>
+            <a:ln w="12700" cap="flat">
+              <a:noFill/>
+              <a:miter lim="400000"/>
+            </a:ln>
+            <a:effectLst/>
+            <a:extLst>
+              <a:ext uri="{C572A759-6A51-4108-AA02-DFA0A04FC94B}">
+                <ma14:wrappingTextBoxFlag xmlns="" xmlns:m="http://schemas.openxmlformats.org/officeDocument/2006/math" xmlns:a14="http://schemas.microsoft.com/office/drawing/2010/main" xmlns:ma14="http://schemas.microsoft.com/office/mac/drawingml/2011/main" val="1"/>
+              </a:ext>
+            </a:extLst>
+          </p:spPr>
+          <p:txBody>
+            <a:bodyPr wrap="square" lIns="28575" tIns="28575" rIns="28575" bIns="28575" numCol="1" anchor="t">
+              <a:noAutofit/>
+            </a:bodyPr>
+            <a:lstStyle>
+              <a:lvl1pPr algn="l" defTabSz="1219200">
+                <a:buClr>
+                  <a:srgbClr val="000000"/>
+                </a:buClr>
+                <a:defRPr sz="2200">
+                  <a:uFill>
+                    <a:solidFill>
+                      <a:srgbClr val="000000"/>
+                    </a:solidFill>
+                  </a:uFill>
+                  <a:latin typeface="Arial"/>
+                  <a:ea typeface="Arial"/>
+                  <a:cs typeface="Arial"/>
+                  <a:sym typeface="Arial"/>
+                </a:defRPr>
+              </a:lvl1pPr>
+            </a:lstStyle>
+            <a:p>
+              <a:r>
+                <a:rPr sz="1650"/>
+                <a:t>algorithm</a:t>
+              </a:r>
+            </a:p>
+          </p:txBody>
+        </p:sp>
+        <p:sp>
+          <p:nvSpPr>
+            <p:cNvPr id="22" name="idiom">
+              <a:extLst>
+                <a:ext uri="{FF2B5EF4-FFF2-40B4-BE49-F238E27FC236}">
+                  <a16:creationId xmlns:a16="http://schemas.microsoft.com/office/drawing/2014/main" id="{3DF77413-AD62-BA49-1945-DC3FC9588502}"/>
+                </a:ext>
+              </a:extLst>
+            </p:cNvPr>
+            <p:cNvSpPr txBox="1"/>
+            <p:nvPr/>
+          </p:nvSpPr>
+          <p:spPr>
+            <a:xfrm>
+              <a:off x="364766" y="1828800"/>
+              <a:ext cx="1290776" cy="393700"/>
+            </a:xfrm>
+            <a:prstGeom prst="rect">
+              <a:avLst/>
+            </a:prstGeom>
+            <a:noFill/>
+            <a:ln w="12700" cap="flat">
+              <a:noFill/>
+              <a:miter lim="400000"/>
+            </a:ln>
+            <a:effectLst/>
+            <a:extLst>
+              <a:ext uri="{C572A759-6A51-4108-AA02-DFA0A04FC94B}">
+                <ma14:wrappingTextBoxFlag xmlns="" xmlns:m="http://schemas.openxmlformats.org/officeDocument/2006/math" xmlns:a14="http://schemas.microsoft.com/office/drawing/2010/main" xmlns:ma14="http://schemas.microsoft.com/office/mac/drawingml/2011/main" val="1"/>
+              </a:ext>
+            </a:extLst>
+          </p:spPr>
+          <p:txBody>
+            <a:bodyPr wrap="square" lIns="28575" tIns="28575" rIns="28575" bIns="28575" numCol="1" anchor="t">
+              <a:noAutofit/>
+            </a:bodyPr>
+            <a:lstStyle>
+              <a:lvl1pPr algn="l" defTabSz="1219200">
+                <a:buClr>
+                  <a:srgbClr val="000000"/>
+                </a:buClr>
+                <a:defRPr sz="2200">
+                  <a:uFill>
+                    <a:solidFill>
+                      <a:srgbClr val="000000"/>
+                    </a:solidFill>
+                  </a:uFill>
+                  <a:latin typeface="Arial"/>
+                  <a:ea typeface="Arial"/>
+                  <a:cs typeface="Arial"/>
+                  <a:sym typeface="Arial"/>
+                </a:defRPr>
+              </a:lvl1pPr>
+            </a:lstStyle>
+            <a:p>
+              <a:r>
+                <a:rPr sz="1650"/>
+                <a:t>idiom</a:t>
+              </a:r>
+            </a:p>
+          </p:txBody>
+        </p:sp>
+        <p:sp>
+          <p:nvSpPr>
+            <p:cNvPr id="23" name="abstraction">
+              <a:extLst>
+                <a:ext uri="{FF2B5EF4-FFF2-40B4-BE49-F238E27FC236}">
+                  <a16:creationId xmlns:a16="http://schemas.microsoft.com/office/drawing/2014/main" id="{F7A7B7AD-D82D-A6BB-F891-EECCACA91272}"/>
+                </a:ext>
+              </a:extLst>
+            </p:cNvPr>
+            <p:cNvSpPr txBox="1"/>
+            <p:nvPr/>
+          </p:nvSpPr>
+          <p:spPr>
+            <a:xfrm>
+              <a:off x="188985" y="533400"/>
+              <a:ext cx="1579006" cy="393700"/>
+            </a:xfrm>
+            <a:prstGeom prst="rect">
+              <a:avLst/>
+            </a:prstGeom>
+            <a:noFill/>
+            <a:ln w="12700" cap="flat">
+              <a:noFill/>
+              <a:miter lim="400000"/>
+            </a:ln>
+            <a:effectLst/>
+            <a:extLst>
+              <a:ext uri="{C572A759-6A51-4108-AA02-DFA0A04FC94B}">
+                <ma14:wrappingTextBoxFlag xmlns="" xmlns:m="http://schemas.openxmlformats.org/officeDocument/2006/math" xmlns:a14="http://schemas.microsoft.com/office/drawing/2010/main" xmlns:ma14="http://schemas.microsoft.com/office/mac/drawingml/2011/main" val="1"/>
+              </a:ext>
+            </a:extLst>
+          </p:spPr>
+          <p:txBody>
+            <a:bodyPr wrap="square" lIns="28575" tIns="28575" rIns="28575" bIns="28575" numCol="1" anchor="t">
+              <a:noAutofit/>
+            </a:bodyPr>
+            <a:lstStyle>
+              <a:lvl1pPr algn="l" defTabSz="1219200">
+                <a:buClr>
+                  <a:srgbClr val="000000"/>
+                </a:buClr>
+                <a:defRPr sz="2200">
+                  <a:uFill>
+                    <a:solidFill>
+                      <a:srgbClr val="000000"/>
+                    </a:solidFill>
+                  </a:uFill>
+                  <a:latin typeface="Arial"/>
+                  <a:ea typeface="Arial"/>
+                  <a:cs typeface="Arial"/>
+                  <a:sym typeface="Arial"/>
+                </a:defRPr>
+              </a:lvl1pPr>
+            </a:lstStyle>
+            <a:p>
+              <a:r>
+                <a:rPr sz="1650"/>
+                <a:t>abstraction</a:t>
+              </a:r>
+            </a:p>
+          </p:txBody>
+        </p:sp>
+        <p:sp>
+          <p:nvSpPr>
+            <p:cNvPr id="24" name="domain">
+              <a:extLst>
+                <a:ext uri="{FF2B5EF4-FFF2-40B4-BE49-F238E27FC236}">
+                  <a16:creationId xmlns:a16="http://schemas.microsoft.com/office/drawing/2014/main" id="{F18BA9CB-5A78-DC6E-6D02-4E19BAAFC510}"/>
+                </a:ext>
+              </a:extLst>
+            </p:cNvPr>
+            <p:cNvSpPr txBox="1"/>
+            <p:nvPr/>
+          </p:nvSpPr>
+          <p:spPr>
+            <a:xfrm>
+              <a:off x="62994" y="50800"/>
+              <a:ext cx="1779515" cy="393700"/>
+            </a:xfrm>
+            <a:prstGeom prst="rect">
+              <a:avLst/>
+            </a:prstGeom>
+            <a:noFill/>
+            <a:ln w="12700" cap="flat">
+              <a:noFill/>
+              <a:miter lim="400000"/>
+            </a:ln>
+            <a:effectLst/>
+            <a:extLst>
+              <a:ext uri="{C572A759-6A51-4108-AA02-DFA0A04FC94B}">
+                <ma14:wrappingTextBoxFlag xmlns="" xmlns:m="http://schemas.openxmlformats.org/officeDocument/2006/math" xmlns:a14="http://schemas.microsoft.com/office/drawing/2010/main" xmlns:ma14="http://schemas.microsoft.com/office/mac/drawingml/2011/main" val="1"/>
+              </a:ext>
+            </a:extLst>
+          </p:spPr>
+          <p:txBody>
+            <a:bodyPr wrap="square" lIns="28575" tIns="28575" rIns="28575" bIns="28575" numCol="1" anchor="t">
+              <a:noAutofit/>
+            </a:bodyPr>
+            <a:lstStyle>
+              <a:lvl1pPr algn="l" defTabSz="1219200">
+                <a:buClr>
+                  <a:srgbClr val="000000"/>
+                </a:buClr>
+                <a:defRPr sz="2200">
+                  <a:uFill>
+                    <a:solidFill>
+                      <a:srgbClr val="000000"/>
+                    </a:solidFill>
+                  </a:uFill>
+                  <a:latin typeface="Arial"/>
+                  <a:ea typeface="Arial"/>
+                  <a:cs typeface="Arial"/>
+                  <a:sym typeface="Arial"/>
+                </a:defRPr>
+              </a:lvl1pPr>
+            </a:lstStyle>
+            <a:p>
+              <a:r>
+                <a:rPr sz="1650"/>
+                <a:t>domain</a:t>
+              </a:r>
+            </a:p>
+          </p:txBody>
+        </p:sp>
+        <p:pic>
+          <p:nvPicPr>
+            <p:cNvPr id="25" name="Image" descr="Image">
+              <a:extLst>
+                <a:ext uri="{FF2B5EF4-FFF2-40B4-BE49-F238E27FC236}">
+                  <a16:creationId xmlns:a16="http://schemas.microsoft.com/office/drawing/2014/main" id="{6CC36A97-4D9B-56AD-B8E0-0976E504DF1C}"/>
+                </a:ext>
+              </a:extLst>
+            </p:cNvPr>
+            <p:cNvPicPr>
+              <a:picLocks noChangeAspect="1"/>
+            </p:cNvPicPr>
+            <p:nvPr/>
+          </p:nvPicPr>
+          <p:blipFill>
+            <a:blip r:embed="rId5"/>
+            <a:stretch>
+              <a:fillRect/>
+            </a:stretch>
+          </p:blipFill>
+          <p:spPr>
+            <a:xfrm>
+              <a:off x="1452599" y="664970"/>
+              <a:ext cx="1663701" cy="1653709"/>
+            </a:xfrm>
+            <a:prstGeom prst="rect">
+              <a:avLst/>
+            </a:prstGeom>
+            <a:ln w="12700" cap="flat">
+              <a:noFill/>
+              <a:miter lim="400000"/>
+            </a:ln>
+            <a:effectLst/>
+          </p:spPr>
+        </p:pic>
+      </p:grpSp>
+    </p:spTree>
+    <p:extLst>
+      <p:ext uri="{BB962C8B-B14F-4D97-AF65-F5344CB8AC3E}">
+        <p14:creationId xmlns:p14="http://schemas.microsoft.com/office/powerpoint/2010/main" val="1678608032"/>
+      </p:ext>
+    </p:extLst>
+  </p:cSld>
+  <p:clrMapOvr>
+    <a:masterClrMapping/>
+  </p:clrMapOvr>
+</p:sld>
+</file>
+
 <file path=ppt/theme/theme1.xml><?xml version="1.0" encoding="utf-8"?>
 <a:theme xmlns:a="http://schemas.openxmlformats.org/drawingml/2006/main" name="Office Theme">
   <a:themeElements>
